--- a/assets/draw.pptx
+++ b/assets/draw.pptx
@@ -6,6 +6,7 @@
   </p:sldMasterIdLst>
   <p:sldIdLst>
     <p:sldId id="256" r:id="rId2"/>
+    <p:sldId id="257" r:id="rId3"/>
   </p:sldIdLst>
   <p:sldSz cx="12192000" cy="6858000"/>
   <p:notesSz cx="6858000" cy="9144000"/>
@@ -104,6 +105,11 @@
       </a:defRPr>
     </a:lvl9pPr>
   </p:defaultTextStyle>
+  <p:extLst>
+    <p:ext uri="{EFAFB233-063F-42B5-8137-9DF3F51BA10A}">
+      <p15:sldGuideLst xmlns:p15="http://schemas.microsoft.com/office/powerpoint/2012/main"/>
+    </p:ext>
+  </p:extLst>
 </p:presentation>
 </file>
 
@@ -254,7 +260,7 @@
           <a:p>
             <a:fld id="{7C175E06-7711-455F-8575-BBEBA938F306}" type="datetimeFigureOut">
               <a:rPr lang="en-US" smtClean="0"/>
-              <a:t>11/24/2019</a:t>
+              <a:t>11/30/2019</a:t>
             </a:fld>
             <a:endParaRPr lang="en-US"/>
           </a:p>
@@ -452,7 +458,7 @@
           <a:p>
             <a:fld id="{7C175E06-7711-455F-8575-BBEBA938F306}" type="datetimeFigureOut">
               <a:rPr lang="en-US" smtClean="0"/>
-              <a:t>11/24/2019</a:t>
+              <a:t>11/30/2019</a:t>
             </a:fld>
             <a:endParaRPr lang="en-US"/>
           </a:p>
@@ -660,7 +666,7 @@
           <a:p>
             <a:fld id="{7C175E06-7711-455F-8575-BBEBA938F306}" type="datetimeFigureOut">
               <a:rPr lang="en-US" smtClean="0"/>
-              <a:t>11/24/2019</a:t>
+              <a:t>11/30/2019</a:t>
             </a:fld>
             <a:endParaRPr lang="en-US"/>
           </a:p>
@@ -858,7 +864,7 @@
           <a:p>
             <a:fld id="{7C175E06-7711-455F-8575-BBEBA938F306}" type="datetimeFigureOut">
               <a:rPr lang="en-US" smtClean="0"/>
-              <a:t>11/24/2019</a:t>
+              <a:t>11/30/2019</a:t>
             </a:fld>
             <a:endParaRPr lang="en-US"/>
           </a:p>
@@ -1133,7 +1139,7 @@
           <a:p>
             <a:fld id="{7C175E06-7711-455F-8575-BBEBA938F306}" type="datetimeFigureOut">
               <a:rPr lang="en-US" smtClean="0"/>
-              <a:t>11/24/2019</a:t>
+              <a:t>11/30/2019</a:t>
             </a:fld>
             <a:endParaRPr lang="en-US"/>
           </a:p>
@@ -1398,7 +1404,7 @@
           <a:p>
             <a:fld id="{7C175E06-7711-455F-8575-BBEBA938F306}" type="datetimeFigureOut">
               <a:rPr lang="en-US" smtClean="0"/>
-              <a:t>11/24/2019</a:t>
+              <a:t>11/30/2019</a:t>
             </a:fld>
             <a:endParaRPr lang="en-US"/>
           </a:p>
@@ -1810,7 +1816,7 @@
           <a:p>
             <a:fld id="{7C175E06-7711-455F-8575-BBEBA938F306}" type="datetimeFigureOut">
               <a:rPr lang="en-US" smtClean="0"/>
-              <a:t>11/24/2019</a:t>
+              <a:t>11/30/2019</a:t>
             </a:fld>
             <a:endParaRPr lang="en-US"/>
           </a:p>
@@ -1951,7 +1957,7 @@
           <a:p>
             <a:fld id="{7C175E06-7711-455F-8575-BBEBA938F306}" type="datetimeFigureOut">
               <a:rPr lang="en-US" smtClean="0"/>
-              <a:t>11/24/2019</a:t>
+              <a:t>11/30/2019</a:t>
             </a:fld>
             <a:endParaRPr lang="en-US"/>
           </a:p>
@@ -2064,7 +2070,7 @@
           <a:p>
             <a:fld id="{7C175E06-7711-455F-8575-BBEBA938F306}" type="datetimeFigureOut">
               <a:rPr lang="en-US" smtClean="0"/>
-              <a:t>11/24/2019</a:t>
+              <a:t>11/30/2019</a:t>
             </a:fld>
             <a:endParaRPr lang="en-US"/>
           </a:p>
@@ -2375,7 +2381,7 @@
           <a:p>
             <a:fld id="{7C175E06-7711-455F-8575-BBEBA938F306}" type="datetimeFigureOut">
               <a:rPr lang="en-US" smtClean="0"/>
-              <a:t>11/24/2019</a:t>
+              <a:t>11/30/2019</a:t>
             </a:fld>
             <a:endParaRPr lang="en-US"/>
           </a:p>
@@ -2663,7 +2669,7 @@
           <a:p>
             <a:fld id="{7C175E06-7711-455F-8575-BBEBA938F306}" type="datetimeFigureOut">
               <a:rPr lang="en-US" smtClean="0"/>
-              <a:t>11/24/2019</a:t>
+              <a:t>11/30/2019</a:t>
             </a:fld>
             <a:endParaRPr lang="en-US"/>
           </a:p>
@@ -2904,7 +2910,7 @@
           <a:p>
             <a:fld id="{7C175E06-7711-455F-8575-BBEBA938F306}" type="datetimeFigureOut">
               <a:rPr lang="en-US" smtClean="0"/>
-              <a:t>11/24/2019</a:t>
+              <a:t>11/30/2019</a:t>
             </a:fld>
             <a:endParaRPr lang="en-US"/>
           </a:p>
@@ -3323,10 +3329,10 @@
       </p:grpSpPr>
       <p:sp>
         <p:nvSpPr>
-          <p:cNvPr id="4" name="Rectangle 3">
-            <a:extLst>
-              <a:ext uri="{FF2B5EF4-FFF2-40B4-BE49-F238E27FC236}">
-                <a16:creationId xmlns:a16="http://schemas.microsoft.com/office/drawing/2014/main" id="{497FD1A1-D29C-4131-B955-046A2714BECE}"/>
+          <p:cNvPr id="2" name="Rectangle 1">
+            <a:extLst>
+              <a:ext uri="{FF2B5EF4-FFF2-40B4-BE49-F238E27FC236}">
+                <a16:creationId xmlns:a16="http://schemas.microsoft.com/office/drawing/2014/main" id="{1FDCF200-9B19-4B35-AAE6-EBA244EDB57A}"/>
               </a:ext>
             </a:extLst>
           </p:cNvPr>
@@ -3335,12 +3341,24 @@
         </p:nvSpPr>
         <p:spPr>
           <a:xfrm>
-            <a:off x="4028422" y="3584647"/>
-            <a:ext cx="2951629" cy="1089211"/>
+            <a:off x="208429" y="215153"/>
+            <a:ext cx="11880477" cy="6528546"/>
           </a:xfrm>
           <a:prstGeom prst="rect">
             <a:avLst/>
           </a:prstGeom>
+          <a:solidFill>
+            <a:schemeClr val="bg1">
+              <a:lumMod val="95000"/>
+            </a:schemeClr>
+          </a:solidFill>
+          <a:effectLst>
+            <a:innerShdw blurRad="63500" dist="50800" dir="2700000">
+              <a:prstClr val="black">
+                <a:alpha val="50000"/>
+              </a:prstClr>
+            </a:innerShdw>
+          </a:effectLst>
         </p:spPr>
         <p:style>
           <a:lnRef idx="2">
@@ -3361,9 +3379,57 @@
           <a:lstStyle/>
           <a:p>
             <a:pPr algn="ctr"/>
+            <a:endParaRPr lang="en-US"/>
+          </a:p>
+        </p:txBody>
+      </p:sp>
+      <p:sp>
+        <p:nvSpPr>
+          <p:cNvPr id="4" name="Rectangle 3">
+            <a:extLst>
+              <a:ext uri="{FF2B5EF4-FFF2-40B4-BE49-F238E27FC236}">
+                <a16:creationId xmlns:a16="http://schemas.microsoft.com/office/drawing/2014/main" id="{497FD1A1-D29C-4131-B955-046A2714BECE}"/>
+              </a:ext>
+            </a:extLst>
+          </p:cNvPr>
+          <p:cNvSpPr/>
+          <p:nvPr/>
+        </p:nvSpPr>
+        <p:spPr>
+          <a:xfrm>
+            <a:off x="4028422" y="3584647"/>
+            <a:ext cx="2951629" cy="1089211"/>
+          </a:xfrm>
+          <a:prstGeom prst="rect">
+            <a:avLst/>
+          </a:prstGeom>
+        </p:spPr>
+        <p:style>
+          <a:lnRef idx="1">
+            <a:schemeClr val="accent2"/>
+          </a:lnRef>
+          <a:fillRef idx="3">
+            <a:schemeClr val="accent2"/>
+          </a:fillRef>
+          <a:effectRef idx="2">
+            <a:schemeClr val="accent2"/>
+          </a:effectRef>
+          <a:fontRef idx="minor">
+            <a:schemeClr val="lt1"/>
+          </a:fontRef>
+        </p:style>
+        <p:txBody>
+          <a:bodyPr rtlCol="0" anchor="ctr"/>
+          <a:lstStyle/>
+          <a:p>
+            <a:pPr algn="ctr"/>
+            <a:r>
+              <a:rPr lang="en-US" b="1" dirty="0"/>
+              <a:t>Web API</a:t>
+            </a:r>
             <a:r>
               <a:rPr lang="en-US" dirty="0"/>
-              <a:t>Sample Web (5000)</a:t>
+              <a:t> (5000)</a:t>
             </a:r>
           </a:p>
           <a:p>
@@ -3397,17 +3463,17 @@
           </a:prstGeom>
         </p:spPr>
         <p:style>
-          <a:lnRef idx="2">
-            <a:schemeClr val="accent3"/>
+          <a:lnRef idx="1">
+            <a:schemeClr val="accent1"/>
           </a:lnRef>
-          <a:fillRef idx="1">
-            <a:schemeClr val="lt1"/>
+          <a:fillRef idx="3">
+            <a:schemeClr val="accent1"/>
           </a:fillRef>
-          <a:effectRef idx="0">
-            <a:schemeClr val="accent3"/>
+          <a:effectRef idx="2">
+            <a:schemeClr val="accent1"/>
           </a:effectRef>
           <a:fontRef idx="minor">
-            <a:schemeClr val="dk1"/>
+            <a:schemeClr val="lt1"/>
           </a:fontRef>
         </p:style>
         <p:txBody>
@@ -3416,8 +3482,12 @@
           <a:p>
             <a:pPr algn="ctr"/>
             <a:r>
+              <a:rPr lang="en-US" b="1" dirty="0"/>
+              <a:t>Meteorite Service</a:t>
+            </a:r>
+            <a:r>
               <a:rPr lang="en-US" dirty="0"/>
-              <a:t>Meteorite Service (5003)</a:t>
+              <a:t> (5003)</a:t>
             </a:r>
           </a:p>
           <a:p>
@@ -3451,17 +3521,17 @@
           </a:prstGeom>
         </p:spPr>
         <p:style>
-          <a:lnRef idx="2">
-            <a:schemeClr val="dk1"/>
+          <a:lnRef idx="1">
+            <a:schemeClr val="accent3"/>
           </a:lnRef>
-          <a:fillRef idx="1">
-            <a:schemeClr val="lt1"/>
+          <a:fillRef idx="3">
+            <a:schemeClr val="accent3"/>
           </a:fillRef>
-          <a:effectRef idx="0">
-            <a:schemeClr val="dk1"/>
+          <a:effectRef idx="2">
+            <a:schemeClr val="accent3"/>
           </a:effectRef>
           <a:fontRef idx="minor">
-            <a:schemeClr val="dk1"/>
+            <a:schemeClr val="lt1"/>
           </a:fontRef>
         </p:style>
         <p:txBody>
@@ -3470,8 +3540,12 @@
           <a:p>
             <a:pPr algn="ctr"/>
             <a:r>
+              <a:rPr lang="en-US" b="1" dirty="0"/>
+              <a:t>Kafka</a:t>
+            </a:r>
+            <a:r>
               <a:rPr lang="en-US" dirty="0"/>
-              <a:t>Kafka (9092</a:t>
+              <a:t> (9092</a:t>
             </a:r>
             <a:r>
               <a:rPr lang="en-US" sz="1200" dirty="0"/>
@@ -3756,10 +3830,10 @@
       </p:pic>
       <p:pic>
         <p:nvPicPr>
-          <p:cNvPr id="1036" name="Picture 12" descr="Image result for kafka logo">
-            <a:extLst>
-              <a:ext uri="{FF2B5EF4-FFF2-40B4-BE49-F238E27FC236}">
-                <a16:creationId xmlns:a16="http://schemas.microsoft.com/office/drawing/2014/main" id="{404A71F6-DE31-45C5-BC48-76735197532A}"/>
+          <p:cNvPr id="1038" name="Picture 14" descr="Image result for zookeeper logo">
+            <a:extLst>
+              <a:ext uri="{FF2B5EF4-FFF2-40B4-BE49-F238E27FC236}">
+                <a16:creationId xmlns:a16="http://schemas.microsoft.com/office/drawing/2014/main" id="{89B6CFA8-F4F2-4AE2-B746-1CDAA2C247EF}"/>
               </a:ext>
             </a:extLst>
           </p:cNvPr>
@@ -3783,8 +3857,8 @@
         </p:blipFill>
         <p:spPr bwMode="auto">
           <a:xfrm>
-            <a:off x="9071937" y="5763603"/>
-            <a:ext cx="1298423" cy="682719"/>
+            <a:off x="10602764" y="5816622"/>
+            <a:ext cx="1066284" cy="576682"/>
           </a:xfrm>
           <a:prstGeom prst="rect">
             <a:avLst/>
@@ -3803,10 +3877,10 @@
       </p:pic>
       <p:pic>
         <p:nvPicPr>
-          <p:cNvPr id="1038" name="Picture 14" descr="Image result for zookeeper logo">
-            <a:extLst>
-              <a:ext uri="{FF2B5EF4-FFF2-40B4-BE49-F238E27FC236}">
-                <a16:creationId xmlns:a16="http://schemas.microsoft.com/office/drawing/2014/main" id="{89B6CFA8-F4F2-4AE2-B746-1CDAA2C247EF}"/>
+          <p:cNvPr id="1040" name="Picture 16" descr="Image result for seq logo">
+            <a:extLst>
+              <a:ext uri="{FF2B5EF4-FFF2-40B4-BE49-F238E27FC236}">
+                <a16:creationId xmlns:a16="http://schemas.microsoft.com/office/drawing/2014/main" id="{701B2D3B-EEF4-4C1E-A375-A5397C671F8D}"/>
               </a:ext>
             </a:extLst>
           </p:cNvPr>
@@ -3817,53 +3891,6 @@
         </p:nvPicPr>
         <p:blipFill>
           <a:blip r:embed="rId10">
-            <a:extLst>
-              <a:ext uri="{28A0092B-C50C-407E-A947-70E740481C1C}">
-                <a14:useLocalDpi xmlns:a14="http://schemas.microsoft.com/office/drawing/2010/main" val="0"/>
-              </a:ext>
-            </a:extLst>
-          </a:blip>
-          <a:srcRect/>
-          <a:stretch>
-            <a:fillRect/>
-          </a:stretch>
-        </p:blipFill>
-        <p:spPr bwMode="auto">
-          <a:xfrm>
-            <a:off x="10602764" y="5816622"/>
-            <a:ext cx="1066284" cy="576682"/>
-          </a:xfrm>
-          <a:prstGeom prst="rect">
-            <a:avLst/>
-          </a:prstGeom>
-          <a:noFill/>
-          <a:extLst>
-            <a:ext uri="{909E8E84-426E-40DD-AFC4-6F175D3DCCD1}">
-              <a14:hiddenFill xmlns:a14="http://schemas.microsoft.com/office/drawing/2010/main">
-                <a:solidFill>
-                  <a:srgbClr val="FFFFFF"/>
-                </a:solidFill>
-              </a14:hiddenFill>
-            </a:ext>
-          </a:extLst>
-        </p:spPr>
-      </p:pic>
-      <p:pic>
-        <p:nvPicPr>
-          <p:cNvPr id="1040" name="Picture 16" descr="Image result for seq logo">
-            <a:extLst>
-              <a:ext uri="{FF2B5EF4-FFF2-40B4-BE49-F238E27FC236}">
-                <a16:creationId xmlns:a16="http://schemas.microsoft.com/office/drawing/2014/main" id="{701B2D3B-EEF4-4C1E-A375-A5397C671F8D}"/>
-              </a:ext>
-            </a:extLst>
-          </p:cNvPr>
-          <p:cNvPicPr>
-            <a:picLocks noChangeAspect="1" noChangeArrowheads="1"/>
-          </p:cNvPicPr>
-          <p:nvPr/>
-        </p:nvPicPr>
-        <p:blipFill>
-          <a:blip r:embed="rId11">
             <a:extLst>
               <a:ext uri="{28A0092B-C50C-407E-A947-70E740481C1C}">
                 <a14:useLocalDpi xmlns:a14="http://schemas.microsoft.com/office/drawing/2010/main" val="0"/>
@@ -4043,7 +4070,7 @@
         <p:spPr>
           <a:xfrm flipH="1">
             <a:off x="7436223" y="1757922"/>
-            <a:ext cx="487778" cy="3916737"/>
+            <a:ext cx="261257" cy="3916737"/>
           </a:xfrm>
           <a:prstGeom prst="straightConnector1">
             <a:avLst/>
@@ -4085,7 +4112,7 @@
         <p:spPr>
           <a:xfrm flipH="1">
             <a:off x="6980051" y="1757922"/>
-            <a:ext cx="462896" cy="2371331"/>
+            <a:ext cx="703983" cy="2371331"/>
           </a:xfrm>
           <a:prstGeom prst="straightConnector1">
             <a:avLst/>
@@ -4134,6 +4161,7 @@
             <a:avLst/>
           </a:prstGeom>
           <a:ln>
+            <a:prstDash val="dash"/>
             <a:tailEnd type="triangle"/>
           </a:ln>
         </p:spPr>
@@ -4565,7 +4593,7 @@
         </p:nvSpPr>
         <p:spPr>
           <a:xfrm>
-            <a:off x="9103519" y="1760478"/>
+            <a:off x="9088336" y="1802348"/>
             <a:ext cx="261257" cy="261257"/>
           </a:xfrm>
           <a:prstGeom prst="ellipse">
@@ -4659,7 +4687,7 @@
         </p:nvSpPr>
         <p:spPr>
           <a:xfrm>
-            <a:off x="7852522" y="3454018"/>
+            <a:off x="7684034" y="3450219"/>
             <a:ext cx="261257" cy="261257"/>
           </a:xfrm>
           <a:prstGeom prst="ellipse">
@@ -4706,7 +4734,7 @@
         </p:nvSpPr>
         <p:spPr>
           <a:xfrm>
-            <a:off x="6886894" y="2644360"/>
+            <a:off x="7002556" y="2716504"/>
             <a:ext cx="261257" cy="261257"/>
           </a:xfrm>
           <a:prstGeom prst="ellipse">
@@ -4816,7 +4844,7 @@
           <a:p>
             <a:r>
               <a:rPr lang="en-US" sz="1200" dirty="0">
-                <a:hlinkClick r:id="rId12"/>
+                <a:hlinkClick r:id="rId11"/>
               </a:rPr>
               <a:t>https://data.nasa.gov/resource/y77d-th95.json</a:t>
             </a:r>
@@ -4842,7 +4870,7 @@
           <p:nvPr/>
         </p:nvPicPr>
         <p:blipFill>
-          <a:blip r:embed="rId13">
+          <a:blip r:embed="rId12">
             <a:extLst>
               <a:ext uri="{28A0092B-C50C-407E-A947-70E740481C1C}">
                 <a14:useLocalDpi xmlns:a14="http://schemas.microsoft.com/office/drawing/2010/main" val="0"/>
@@ -4856,8 +4884,8 @@
         </p:blipFill>
         <p:spPr bwMode="auto">
           <a:xfrm>
-            <a:off x="8859109" y="4172550"/>
-            <a:ext cx="2597111" cy="911356"/>
+            <a:off x="236977" y="6117628"/>
+            <a:ext cx="1538294" cy="539805"/>
           </a:xfrm>
           <a:prstGeom prst="rect">
             <a:avLst/>
@@ -4874,10 +4902,87 @@
           </a:extLst>
         </p:spPr>
       </p:pic>
+      <p:pic>
+        <p:nvPicPr>
+          <p:cNvPr id="41" name="Picture 2">
+            <a:extLst>
+              <a:ext uri="{FF2B5EF4-FFF2-40B4-BE49-F238E27FC236}">
+                <a16:creationId xmlns:a16="http://schemas.microsoft.com/office/drawing/2014/main" id="{D4DA3838-B234-4342-BD4C-2FD37B2D68B2}"/>
+              </a:ext>
+            </a:extLst>
+          </p:cNvPr>
+          <p:cNvPicPr>
+            <a:picLocks noChangeAspect="1" noChangeArrowheads="1"/>
+          </p:cNvPicPr>
+          <p:nvPr/>
+        </p:nvPicPr>
+        <p:blipFill>
+          <a:blip r:embed="rId13">
+            <a:extLst>
+              <a:ext uri="{28A0092B-C50C-407E-A947-70E740481C1C}">
+                <a14:useLocalDpi xmlns:a14="http://schemas.microsoft.com/office/drawing/2010/main" val="0"/>
+              </a:ext>
+            </a:extLst>
+          </a:blip>
+          <a:srcRect/>
+          <a:stretch>
+            <a:fillRect/>
+          </a:stretch>
+        </p:blipFill>
+        <p:spPr bwMode="auto">
+          <a:xfrm>
+            <a:off x="9229212" y="5670575"/>
+            <a:ext cx="1187517" cy="890638"/>
+          </a:xfrm>
+          <a:prstGeom prst="rect">
+            <a:avLst/>
+          </a:prstGeom>
+          <a:noFill/>
+          <a:extLst>
+            <a:ext uri="{909E8E84-426E-40DD-AFC4-6F175D3DCCD1}">
+              <a14:hiddenFill xmlns:a14="http://schemas.microsoft.com/office/drawing/2010/main">
+                <a:solidFill>
+                  <a:srgbClr val="FFFFFF"/>
+                </a:solidFill>
+              </a14:hiddenFill>
+            </a:ext>
+          </a:extLst>
+        </p:spPr>
+      </p:pic>
     </p:spTree>
     <p:extLst>
       <p:ext uri="{BB962C8B-B14F-4D97-AF65-F5344CB8AC3E}">
         <p14:creationId xmlns:p14="http://schemas.microsoft.com/office/powerpoint/2010/main" val="2867402504"/>
+      </p:ext>
+    </p:extLst>
+  </p:cSld>
+  <p:clrMapOvr>
+    <a:masterClrMapping/>
+  </p:clrMapOvr>
+</p:sld>
+</file>
+
+<file path=ppt/slides/slide2.xml><?xml version="1.0" encoding="utf-8"?>
+<p:sld xmlns:a="http://schemas.openxmlformats.org/drawingml/2006/main" xmlns:r="http://schemas.openxmlformats.org/officeDocument/2006/relationships" xmlns:p="http://schemas.openxmlformats.org/presentationml/2006/main">
+  <p:cSld>
+    <p:spTree>
+      <p:nvGrpSpPr>
+        <p:cNvPr id="1" name=""/>
+        <p:cNvGrpSpPr/>
+        <p:nvPr/>
+      </p:nvGrpSpPr>
+      <p:grpSpPr>
+        <a:xfrm>
+          <a:off x="0" y="0"/>
+          <a:ext cx="0" cy="0"/>
+          <a:chOff x="0" y="0"/>
+          <a:chExt cx="0" cy="0"/>
+        </a:xfrm>
+      </p:grpSpPr>
+    </p:spTree>
+    <p:extLst>
+      <p:ext uri="{BB962C8B-B14F-4D97-AF65-F5344CB8AC3E}">
+        <p14:creationId xmlns:p14="http://schemas.microsoft.com/office/powerpoint/2010/main" val="2249790908"/>
       </p:ext>
     </p:extLst>
   </p:cSld>

--- a/assets/draw.pptx
+++ b/assets/draw.pptx
@@ -260,7 +260,7 @@
           <a:p>
             <a:fld id="{7C175E06-7711-455F-8575-BBEBA938F306}" type="datetimeFigureOut">
               <a:rPr lang="en-US" smtClean="0"/>
-              <a:t>11/30/2019</a:t>
+              <a:t>12/1/2019</a:t>
             </a:fld>
             <a:endParaRPr lang="en-US"/>
           </a:p>
@@ -458,7 +458,7 @@
           <a:p>
             <a:fld id="{7C175E06-7711-455F-8575-BBEBA938F306}" type="datetimeFigureOut">
               <a:rPr lang="en-US" smtClean="0"/>
-              <a:t>11/30/2019</a:t>
+              <a:t>12/1/2019</a:t>
             </a:fld>
             <a:endParaRPr lang="en-US"/>
           </a:p>
@@ -666,7 +666,7 @@
           <a:p>
             <a:fld id="{7C175E06-7711-455F-8575-BBEBA938F306}" type="datetimeFigureOut">
               <a:rPr lang="en-US" smtClean="0"/>
-              <a:t>11/30/2019</a:t>
+              <a:t>12/1/2019</a:t>
             </a:fld>
             <a:endParaRPr lang="en-US"/>
           </a:p>
@@ -864,7 +864,7 @@
           <a:p>
             <a:fld id="{7C175E06-7711-455F-8575-BBEBA938F306}" type="datetimeFigureOut">
               <a:rPr lang="en-US" smtClean="0"/>
-              <a:t>11/30/2019</a:t>
+              <a:t>12/1/2019</a:t>
             </a:fld>
             <a:endParaRPr lang="en-US"/>
           </a:p>
@@ -1139,7 +1139,7 @@
           <a:p>
             <a:fld id="{7C175E06-7711-455F-8575-BBEBA938F306}" type="datetimeFigureOut">
               <a:rPr lang="en-US" smtClean="0"/>
-              <a:t>11/30/2019</a:t>
+              <a:t>12/1/2019</a:t>
             </a:fld>
             <a:endParaRPr lang="en-US"/>
           </a:p>
@@ -1404,7 +1404,7 @@
           <a:p>
             <a:fld id="{7C175E06-7711-455F-8575-BBEBA938F306}" type="datetimeFigureOut">
               <a:rPr lang="en-US" smtClean="0"/>
-              <a:t>11/30/2019</a:t>
+              <a:t>12/1/2019</a:t>
             </a:fld>
             <a:endParaRPr lang="en-US"/>
           </a:p>
@@ -1816,7 +1816,7 @@
           <a:p>
             <a:fld id="{7C175E06-7711-455F-8575-BBEBA938F306}" type="datetimeFigureOut">
               <a:rPr lang="en-US" smtClean="0"/>
-              <a:t>11/30/2019</a:t>
+              <a:t>12/1/2019</a:t>
             </a:fld>
             <a:endParaRPr lang="en-US"/>
           </a:p>
@@ -1957,7 +1957,7 @@
           <a:p>
             <a:fld id="{7C175E06-7711-455F-8575-BBEBA938F306}" type="datetimeFigureOut">
               <a:rPr lang="en-US" smtClean="0"/>
-              <a:t>11/30/2019</a:t>
+              <a:t>12/1/2019</a:t>
             </a:fld>
             <a:endParaRPr lang="en-US"/>
           </a:p>
@@ -2070,7 +2070,7 @@
           <a:p>
             <a:fld id="{7C175E06-7711-455F-8575-BBEBA938F306}" type="datetimeFigureOut">
               <a:rPr lang="en-US" smtClean="0"/>
-              <a:t>11/30/2019</a:t>
+              <a:t>12/1/2019</a:t>
             </a:fld>
             <a:endParaRPr lang="en-US"/>
           </a:p>
@@ -2381,7 +2381,7 @@
           <a:p>
             <a:fld id="{7C175E06-7711-455F-8575-BBEBA938F306}" type="datetimeFigureOut">
               <a:rPr lang="en-US" smtClean="0"/>
-              <a:t>11/30/2019</a:t>
+              <a:t>12/1/2019</a:t>
             </a:fld>
             <a:endParaRPr lang="en-US"/>
           </a:p>
@@ -2669,7 +2669,7 @@
           <a:p>
             <a:fld id="{7C175E06-7711-455F-8575-BBEBA938F306}" type="datetimeFigureOut">
               <a:rPr lang="en-US" smtClean="0"/>
-              <a:t>11/30/2019</a:t>
+              <a:t>12/1/2019</a:t>
             </a:fld>
             <a:endParaRPr lang="en-US"/>
           </a:p>
@@ -2910,7 +2910,7 @@
           <a:p>
             <a:fld id="{7C175E06-7711-455F-8575-BBEBA938F306}" type="datetimeFigureOut">
               <a:rPr lang="en-US" smtClean="0"/>
-              <a:t>11/30/2019</a:t>
+              <a:t>12/1/2019</a:t>
             </a:fld>
             <a:endParaRPr lang="en-US"/>
           </a:p>
@@ -3669,8 +3669,8 @@
         </p:blipFill>
         <p:spPr bwMode="auto">
           <a:xfrm>
-            <a:off x="935889" y="322731"/>
-            <a:ext cx="934654" cy="1110786"/>
+            <a:off x="871127" y="320766"/>
+            <a:ext cx="645079" cy="766642"/>
           </a:xfrm>
           <a:prstGeom prst="rect">
             <a:avLst/>
@@ -3716,8 +3716,8 @@
         </p:blipFill>
         <p:spPr bwMode="auto">
           <a:xfrm>
-            <a:off x="326472" y="1682287"/>
-            <a:ext cx="2070731" cy="674875"/>
+            <a:off x="440005" y="1361666"/>
+            <a:ext cx="1488861" cy="485237"/>
           </a:xfrm>
           <a:prstGeom prst="rect">
             <a:avLst/>
@@ -3763,8 +3763,8 @@
         </p:blipFill>
         <p:spPr bwMode="auto">
           <a:xfrm>
-            <a:off x="817230" y="2724435"/>
-            <a:ext cx="1089212" cy="1089212"/>
+            <a:off x="871127" y="3065929"/>
+            <a:ext cx="724588" cy="724588"/>
           </a:xfrm>
           <a:prstGeom prst="rect">
             <a:avLst/>
@@ -4198,8 +4198,8 @@
         </p:nvCxnSpPr>
         <p:spPr>
           <a:xfrm>
-            <a:off x="1870543" y="878124"/>
-            <a:ext cx="3481386" cy="335193"/>
+            <a:off x="1516206" y="704087"/>
+            <a:ext cx="3835723" cy="509230"/>
           </a:xfrm>
           <a:prstGeom prst="straightConnector1">
             <a:avLst/>
@@ -4242,8 +4242,8 @@
         </p:nvCxnSpPr>
         <p:spPr>
           <a:xfrm flipV="1">
-            <a:off x="2397203" y="1213317"/>
-            <a:ext cx="2954726" cy="806408"/>
+            <a:off x="1928866" y="1213317"/>
+            <a:ext cx="3423063" cy="390968"/>
           </a:xfrm>
           <a:prstGeom prst="straightConnector1">
             <a:avLst/>
@@ -4374,8 +4374,8 @@
         </p:nvCxnSpPr>
         <p:spPr>
           <a:xfrm>
-            <a:off x="1870543" y="878124"/>
-            <a:ext cx="2157879" cy="3251129"/>
+            <a:off x="1516206" y="704087"/>
+            <a:ext cx="2512216" cy="3425166"/>
           </a:xfrm>
           <a:prstGeom prst="straightConnector1">
             <a:avLst/>
@@ -4418,8 +4418,8 @@
         </p:nvCxnSpPr>
         <p:spPr>
           <a:xfrm>
-            <a:off x="2397203" y="2019725"/>
-            <a:ext cx="1631219" cy="2109528"/>
+            <a:off x="1928866" y="1604285"/>
+            <a:ext cx="2099556" cy="2524968"/>
           </a:xfrm>
           <a:prstGeom prst="straightConnector1">
             <a:avLst/>
@@ -4505,9 +4505,9 @@
           <p:nvPr/>
         </p:nvCxnSpPr>
         <p:spPr>
-          <a:xfrm flipV="1">
-            <a:off x="1351457" y="3813647"/>
-            <a:ext cx="10379" cy="274258"/>
+          <a:xfrm flipH="1" flipV="1">
+            <a:off x="1233421" y="3790517"/>
+            <a:ext cx="118036" cy="297388"/>
           </a:xfrm>
           <a:prstGeom prst="straightConnector1">
             <a:avLst/>
@@ -4949,6 +4949,184 @@
           </a:extLst>
         </p:spPr>
       </p:pic>
+      <p:pic>
+        <p:nvPicPr>
+          <p:cNvPr id="49" name="Picture 4" descr="Image result for prometheus logo">
+            <a:extLst>
+              <a:ext uri="{FF2B5EF4-FFF2-40B4-BE49-F238E27FC236}">
+                <a16:creationId xmlns:a16="http://schemas.microsoft.com/office/drawing/2014/main" id="{3054174B-9D7E-4272-8254-3AD3066A904A}"/>
+              </a:ext>
+            </a:extLst>
+          </p:cNvPr>
+          <p:cNvPicPr>
+            <a:picLocks noChangeAspect="1" noChangeArrowheads="1"/>
+          </p:cNvPicPr>
+          <p:nvPr/>
+        </p:nvPicPr>
+        <p:blipFill>
+          <a:blip r:embed="rId14">
+            <a:extLst>
+              <a:ext uri="{28A0092B-C50C-407E-A947-70E740481C1C}">
+                <a14:useLocalDpi xmlns:a14="http://schemas.microsoft.com/office/drawing/2010/main" val="0"/>
+              </a:ext>
+            </a:extLst>
+          </a:blip>
+          <a:srcRect/>
+          <a:stretch>
+            <a:fillRect/>
+          </a:stretch>
+        </p:blipFill>
+        <p:spPr bwMode="auto">
+          <a:xfrm>
+            <a:off x="824188" y="1982841"/>
+            <a:ext cx="818466" cy="811329"/>
+          </a:xfrm>
+          <a:prstGeom prst="rect">
+            <a:avLst/>
+          </a:prstGeom>
+          <a:noFill/>
+          <a:extLst>
+            <a:ext uri="{909E8E84-426E-40DD-AFC4-6F175D3DCCD1}">
+              <a14:hiddenFill xmlns:a14="http://schemas.microsoft.com/office/drawing/2010/main">
+                <a:solidFill>
+                  <a:srgbClr val="FFFFFF"/>
+                </a:solidFill>
+              </a14:hiddenFill>
+            </a:ext>
+          </a:extLst>
+        </p:spPr>
+      </p:pic>
+      <p:cxnSp>
+        <p:nvCxnSpPr>
+          <p:cNvPr id="51" name="Straight Arrow Connector 50">
+            <a:extLst>
+              <a:ext uri="{FF2B5EF4-FFF2-40B4-BE49-F238E27FC236}">
+                <a16:creationId xmlns:a16="http://schemas.microsoft.com/office/drawing/2014/main" id="{D5E8246D-025A-4D0D-9E2A-88EAEE1CEACD}"/>
+              </a:ext>
+            </a:extLst>
+          </p:cNvPr>
+          <p:cNvCxnSpPr>
+            <a:cxnSpLocks/>
+            <a:stCxn id="49" idx="3"/>
+          </p:cNvCxnSpPr>
+          <p:nvPr/>
+        </p:nvCxnSpPr>
+        <p:spPr>
+          <a:xfrm flipV="1">
+            <a:off x="1642654" y="1266848"/>
+            <a:ext cx="3693545" cy="1121658"/>
+          </a:xfrm>
+          <a:prstGeom prst="straightConnector1">
+            <a:avLst/>
+          </a:prstGeom>
+          <a:ln>
+            <a:prstDash val="dash"/>
+            <a:tailEnd type="none"/>
+          </a:ln>
+        </p:spPr>
+        <p:style>
+          <a:lnRef idx="1">
+            <a:schemeClr val="accent1"/>
+          </a:lnRef>
+          <a:fillRef idx="0">
+            <a:schemeClr val="accent1"/>
+          </a:fillRef>
+          <a:effectRef idx="0">
+            <a:schemeClr val="accent1"/>
+          </a:effectRef>
+          <a:fontRef idx="minor">
+            <a:schemeClr val="tx1"/>
+          </a:fontRef>
+        </p:style>
+      </p:cxnSp>
+      <p:cxnSp>
+        <p:nvCxnSpPr>
+          <p:cNvPr id="54" name="Straight Arrow Connector 53">
+            <a:extLst>
+              <a:ext uri="{FF2B5EF4-FFF2-40B4-BE49-F238E27FC236}">
+                <a16:creationId xmlns:a16="http://schemas.microsoft.com/office/drawing/2014/main" id="{E8A4D7FF-A128-47AB-8CCC-E0ED2C124841}"/>
+              </a:ext>
+            </a:extLst>
+          </p:cNvPr>
+          <p:cNvCxnSpPr>
+            <a:cxnSpLocks/>
+            <a:stCxn id="49" idx="3"/>
+            <a:endCxn id="4" idx="1"/>
+          </p:cNvCxnSpPr>
+          <p:nvPr/>
+        </p:nvCxnSpPr>
+        <p:spPr>
+          <a:xfrm>
+            <a:off x="1642654" y="2388506"/>
+            <a:ext cx="2385768" cy="1740747"/>
+          </a:xfrm>
+          <a:prstGeom prst="straightConnector1">
+            <a:avLst/>
+          </a:prstGeom>
+          <a:ln>
+            <a:prstDash val="dash"/>
+            <a:tailEnd type="none"/>
+          </a:ln>
+        </p:spPr>
+        <p:style>
+          <a:lnRef idx="1">
+            <a:schemeClr val="accent1"/>
+          </a:lnRef>
+          <a:fillRef idx="0">
+            <a:schemeClr val="accent1"/>
+          </a:fillRef>
+          <a:effectRef idx="0">
+            <a:schemeClr val="accent1"/>
+          </a:effectRef>
+          <a:fontRef idx="minor">
+            <a:schemeClr val="tx1"/>
+          </a:fontRef>
+        </p:style>
+      </p:cxnSp>
+      <p:cxnSp>
+        <p:nvCxnSpPr>
+          <p:cNvPr id="42" name="Straight Arrow Connector 41">
+            <a:extLst>
+              <a:ext uri="{FF2B5EF4-FFF2-40B4-BE49-F238E27FC236}">
+                <a16:creationId xmlns:a16="http://schemas.microsoft.com/office/drawing/2014/main" id="{EBD42B09-DFD4-40F8-9A81-D1F452B31584}"/>
+              </a:ext>
+            </a:extLst>
+          </p:cNvPr>
+          <p:cNvCxnSpPr>
+            <a:cxnSpLocks/>
+            <a:stCxn id="1032" idx="0"/>
+            <a:endCxn id="49" idx="2"/>
+          </p:cNvCxnSpPr>
+          <p:nvPr/>
+        </p:nvCxnSpPr>
+        <p:spPr>
+          <a:xfrm flipV="1">
+            <a:off x="1233421" y="2794170"/>
+            <a:ext cx="0" cy="271759"/>
+          </a:xfrm>
+          <a:prstGeom prst="straightConnector1">
+            <a:avLst/>
+          </a:prstGeom>
+          <a:ln>
+            <a:prstDash val="dash"/>
+            <a:tailEnd type="none"/>
+          </a:ln>
+        </p:spPr>
+        <p:style>
+          <a:lnRef idx="1">
+            <a:schemeClr val="accent1"/>
+          </a:lnRef>
+          <a:fillRef idx="0">
+            <a:schemeClr val="accent1"/>
+          </a:fillRef>
+          <a:effectRef idx="0">
+            <a:schemeClr val="accent1"/>
+          </a:effectRef>
+          <a:fontRef idx="minor">
+            <a:schemeClr val="tx1"/>
+          </a:fontRef>
+        </p:style>
+      </p:cxnSp>
     </p:spTree>
     <p:extLst>
       <p:ext uri="{BB962C8B-B14F-4D97-AF65-F5344CB8AC3E}">
